--- a/Javascript - WK05.pptx
+++ b/Javascript - WK05.pptx
@@ -18,6 +18,7 @@
     <p:sldId id="263" r:id="rId12"/>
     <p:sldId id="264" r:id="rId13"/>
     <p:sldId id="265" r:id="rId14"/>
+    <p:sldId id="266" r:id="rId15"/>
   </p:sldIdLst>
   <p:sldSz cy="5143500" cx="9144000"/>
   <p:notesSz cx="6858000" cy="9144000"/>
@@ -828,6 +829,104 @@
       <p:sp>
         <p:nvSpPr>
           <p:cNvPr id="106" name="Shape 106"/>
+          <p:cNvSpPr txBox="1"/>
+          <p:nvPr>
+            <p:ph idx="1" type="body"/>
+          </p:nvPr>
+        </p:nvSpPr>
+        <p:spPr>
+          <a:xfrm>
+            <a:off x="685800" y="4343400"/>
+            <a:ext cx="5486400" cy="4114800"/>
+          </a:xfrm>
+          <a:prstGeom prst="rect">
+            <a:avLst/>
+          </a:prstGeom>
+        </p:spPr>
+        <p:txBody>
+          <a:bodyPr anchorCtr="0" anchor="t" bIns="91425" lIns="91425" spcFirstLastPara="1" rIns="91425" wrap="square" tIns="91425">
+            <a:noAutofit/>
+          </a:bodyPr>
+          <a:lstStyle/>
+          <a:p>
+            <a:pPr indent="0" lvl="0" marL="0" rtl="0">
+              <a:spcBef>
+                <a:spcPts val="0"/>
+              </a:spcBef>
+              <a:spcAft>
+                <a:spcPts val="0"/>
+              </a:spcAft>
+              <a:buNone/>
+            </a:pPr>
+            <a:r>
+              <a:t/>
+            </a:r>
+            <a:endParaRPr/>
+          </a:p>
+        </p:txBody>
+      </p:sp>
+    </p:spTree>
+  </p:cSld>
+  <p:clrMapOvr>
+    <a:masterClrMapping/>
+  </p:clrMapOvr>
+</p:notes>
+</file>
+
+<file path=ppt/notesSlides/notesSlide11.xml><?xml version="1.0" encoding="utf-8"?>
+<p:notes xmlns:a="http://schemas.openxmlformats.org/drawingml/2006/main" xmlns:r="http://schemas.openxmlformats.org/officeDocument/2006/relationships" xmlns:mc="http://schemas.openxmlformats.org/markup-compatibility/2006" xmlns:mv="urn:schemas-microsoft-com:mac:vml" xmlns:p="http://schemas.openxmlformats.org/presentationml/2006/main" xmlns:c="http://schemas.openxmlformats.org/drawingml/2006/chart" xmlns:dgm="http://schemas.openxmlformats.org/drawingml/2006/diagram" xmlns:o="urn:schemas-microsoft-com:office:office" xmlns:v="urn:schemas-microsoft-com:vml" xmlns:pvml="urn:schemas-microsoft-com:office:powerpoint" xmlns:com="http://schemas.openxmlformats.org/drawingml/2006/compatibility" xmlns:p14="http://schemas.microsoft.com/office/powerpoint/2010/main" xmlns:p15="http://schemas.microsoft.com/office/powerpoint/2012/main" showMasterPhAnim="0" showMasterSp="0">
+  <p:cSld>
+    <p:spTree>
+      <p:nvGrpSpPr>
+        <p:cNvPr id="110" name="Shape 110"/>
+        <p:cNvGrpSpPr/>
+        <p:nvPr/>
+      </p:nvGrpSpPr>
+      <p:grpSpPr>
+        <a:xfrm>
+          <a:off x="0" y="0"/>
+          <a:ext cx="0" cy="0"/>
+          <a:chOff x="0" y="0"/>
+          <a:chExt cx="0" cy="0"/>
+        </a:xfrm>
+      </p:grpSpPr>
+      <p:sp>
+        <p:nvSpPr>
+          <p:cNvPr id="111" name="Shape 111"/>
+          <p:cNvSpPr/>
+          <p:nvPr>
+            <p:ph idx="2" type="sldImg"/>
+          </p:nvPr>
+        </p:nvSpPr>
+        <p:spPr>
+          <a:xfrm>
+            <a:off x="381300" y="685800"/>
+            <a:ext cx="6096000" cy="3429000"/>
+          </a:xfrm>
+          <a:custGeom>
+            <a:pathLst>
+              <a:path extrusionOk="0" h="120000" w="120000">
+                <a:moveTo>
+                  <a:pt x="0" y="0"/>
+                </a:moveTo>
+                <a:lnTo>
+                  <a:pt x="120000" y="0"/>
+                </a:lnTo>
+                <a:lnTo>
+                  <a:pt x="120000" y="120000"/>
+                </a:lnTo>
+                <a:lnTo>
+                  <a:pt x="0" y="120000"/>
+                </a:lnTo>
+                <a:close/>
+              </a:path>
+            </a:pathLst>
+          </a:custGeom>
+        </p:spPr>
+      </p:sp>
+      <p:sp>
+        <p:nvSpPr>
+          <p:cNvPr id="112" name="Shape 112"/>
           <p:cNvSpPr txBox="1"/>
           <p:nvPr>
             <p:ph idx="1" type="body"/>
@@ -6761,7 +6860,7 @@
             </a:pPr>
             <a:r>
               <a:rPr lang="en"/>
-              <a:t>break vs continue</a:t>
+              <a:t>For / of</a:t>
             </a:r>
             <a:endParaRPr/>
           </a:p>
@@ -6790,43 +6889,264 @@
           </a:bodyPr>
           <a:lstStyle/>
           <a:p>
-            <a:pPr indent="0" lvl="0" marL="0" rtl="0">
-              <a:spcBef>
-                <a:spcPts val="0"/>
-              </a:spcBef>
-              <a:spcAft>
-                <a:spcPts val="1600"/>
+            <a:pPr indent="0" lvl="0" marL="0">
+              <a:spcBef>
+                <a:spcPts val="0"/>
+              </a:spcBef>
+              <a:spcAft>
+                <a:spcPts val="0"/>
               </a:spcAft>
               <a:buNone/>
             </a:pPr>
             <a:r>
               <a:rPr lang="en"/>
-              <a:t>for (i = 0; i &lt; 10; i++) {</a:t>
+              <a:t>var</a:t>
+            </a:r>
+            <a:r>
+              <a:rPr lang="en"/>
+              <a:t> foo = [3,4,5,6]</a:t>
+            </a:r>
+            <a:endParaRPr/>
+          </a:p>
+          <a:p>
+            <a:pPr indent="0" lvl="0" marL="0">
+              <a:spcBef>
+                <a:spcPts val="1600"/>
+              </a:spcBef>
+              <a:spcAft>
+                <a:spcPts val="0"/>
+              </a:spcAft>
+              <a:buNone/>
+            </a:pPr>
+            <a:r>
+              <a:rPr lang="en"/>
+              <a:t>for (let o of foo) {</a:t>
             </a:r>
             <a:br>
               <a:rPr lang="en"/>
             </a:br>
             <a:r>
               <a:rPr lang="en"/>
-              <a:t>    if (i === 3) { break; }</a:t>
+              <a:t>  console.log(o+1);</a:t>
             </a:r>
             <a:br>
               <a:rPr lang="en"/>
             </a:br>
             <a:r>
               <a:rPr lang="en"/>
-              <a:t>    text += "The number is " + i + "&lt;br&gt;";</a:t>
+              <a:t>}</a:t>
+            </a:r>
+            <a:endParaRPr/>
+          </a:p>
+          <a:p>
+            <a:pPr indent="0" lvl="0" marL="0" rtl="0">
+              <a:spcBef>
+                <a:spcPts val="1600"/>
+              </a:spcBef>
+              <a:spcAft>
+                <a:spcPts val="1600"/>
+              </a:spcAft>
+              <a:buNone/>
+            </a:pPr>
+            <a:r>
+              <a:rPr lang="en"/>
+              <a:t>//This will output in console:</a:t>
             </a:r>
             <a:br>
               <a:rPr lang="en"/>
             </a:br>
             <a:r>
               <a:rPr lang="en"/>
-              <a:t>}</a:t>
+              <a:t>//4</a:t>
             </a:r>
             <a:br>
               <a:rPr lang="en"/>
             </a:br>
+            <a:r>
+              <a:rPr lang="en"/>
+              <a:t>//5</a:t>
+            </a:r>
+            <a:br>
+              <a:rPr lang="en"/>
+            </a:br>
+            <a:r>
+              <a:rPr lang="en"/>
+              <a:t>//6</a:t>
+            </a:r>
+            <a:br>
+              <a:rPr lang="en"/>
+            </a:br>
+            <a:r>
+              <a:rPr lang="en"/>
+              <a:t>//7</a:t>
+            </a:r>
+            <a:endParaRPr/>
+          </a:p>
+        </p:txBody>
+      </p:sp>
+    </p:spTree>
+  </p:cSld>
+  <p:clrMapOvr>
+    <a:masterClrMapping/>
+  </p:clrMapOvr>
+</p:sld>
+</file>
+
+<file path=ppt/slides/slide11.xml><?xml version="1.0" encoding="utf-8"?>
+<p:sld xmlns:a="http://schemas.openxmlformats.org/drawingml/2006/main" xmlns:r="http://schemas.openxmlformats.org/officeDocument/2006/relationships" xmlns:mc="http://schemas.openxmlformats.org/markup-compatibility/2006" xmlns:mv="urn:schemas-microsoft-com:mac:vml" xmlns:p="http://schemas.openxmlformats.org/presentationml/2006/main" xmlns:c="http://schemas.openxmlformats.org/drawingml/2006/chart" xmlns:dgm="http://schemas.openxmlformats.org/drawingml/2006/diagram" xmlns:o="urn:schemas-microsoft-com:office:office" xmlns:v="urn:schemas-microsoft-com:vml" xmlns:pvml="urn:schemas-microsoft-com:office:powerpoint" xmlns:com="http://schemas.openxmlformats.org/drawingml/2006/compatibility" xmlns:p14="http://schemas.microsoft.com/office/powerpoint/2010/main" xmlns:p15="http://schemas.microsoft.com/office/powerpoint/2012/main">
+  <p:cSld>
+    <p:spTree>
+      <p:nvGrpSpPr>
+        <p:cNvPr id="113" name="Shape 113"/>
+        <p:cNvGrpSpPr/>
+        <p:nvPr/>
+      </p:nvGrpSpPr>
+      <p:grpSpPr>
+        <a:xfrm>
+          <a:off x="0" y="0"/>
+          <a:ext cx="0" cy="0"/>
+          <a:chOff x="0" y="0"/>
+          <a:chExt cx="0" cy="0"/>
+        </a:xfrm>
+      </p:grpSpPr>
+      <p:sp>
+        <p:nvSpPr>
+          <p:cNvPr id="114" name="Shape 114"/>
+          <p:cNvSpPr txBox="1"/>
+          <p:nvPr>
+            <p:ph type="title"/>
+          </p:nvPr>
+        </p:nvSpPr>
+        <p:spPr>
+          <a:xfrm>
+            <a:off x="311700" y="445025"/>
+            <a:ext cx="8520600" cy="572700"/>
+          </a:xfrm>
+          <a:prstGeom prst="rect">
+            <a:avLst/>
+          </a:prstGeom>
+        </p:spPr>
+        <p:txBody>
+          <a:bodyPr anchorCtr="0" anchor="t" bIns="91425" lIns="91425" spcFirstLastPara="1" rIns="91425" wrap="square" tIns="91425">
+            <a:noAutofit/>
+          </a:bodyPr>
+          <a:lstStyle/>
+          <a:p>
+            <a:pPr indent="0" lvl="0" marL="0" rtl="0">
+              <a:spcBef>
+                <a:spcPts val="0"/>
+              </a:spcBef>
+              <a:spcAft>
+                <a:spcPts val="0"/>
+              </a:spcAft>
+              <a:buNone/>
+            </a:pPr>
+            <a:r>
+              <a:rPr lang="en"/>
+              <a:t>break vs continue</a:t>
+            </a:r>
+            <a:endParaRPr/>
+          </a:p>
+        </p:txBody>
+      </p:sp>
+      <p:sp>
+        <p:nvSpPr>
+          <p:cNvPr id="115" name="Shape 115"/>
+          <p:cNvSpPr txBox="1"/>
+          <p:nvPr>
+            <p:ph idx="1" type="body"/>
+          </p:nvPr>
+        </p:nvSpPr>
+        <p:spPr>
+          <a:xfrm>
+            <a:off x="311700" y="1152475"/>
+            <a:ext cx="8520600" cy="3416400"/>
+          </a:xfrm>
+          <a:prstGeom prst="rect">
+            <a:avLst/>
+          </a:prstGeom>
+        </p:spPr>
+        <p:txBody>
+          <a:bodyPr anchorCtr="0" anchor="t" bIns="91425" lIns="91425" spcFirstLastPara="1" rIns="91425" wrap="square" tIns="91425">
+            <a:noAutofit/>
+          </a:bodyPr>
+          <a:lstStyle/>
+          <a:p>
+            <a:pPr indent="0" lvl="0" marL="0" rtl="0">
+              <a:spcBef>
+                <a:spcPts val="0"/>
+              </a:spcBef>
+              <a:spcAft>
+                <a:spcPts val="1600"/>
+              </a:spcAft>
+              <a:buNone/>
+            </a:pPr>
+            <a:r>
+              <a:rPr lang="en"/>
+              <a:t>b</a:t>
+            </a:r>
+            <a:r>
+              <a:rPr lang="en"/>
+              <a:t>reak: will terminate the </a:t>
+            </a:r>
+            <a:r>
+              <a:rPr lang="en"/>
+              <a:t>outer</a:t>
+            </a:r>
+            <a:r>
+              <a:rPr lang="en"/>
+              <a:t> context once it is executed</a:t>
+            </a:r>
+            <a:br>
+              <a:rPr lang="en"/>
+            </a:br>
+            <a:r>
+              <a:rPr lang="en"/>
+              <a:t>c</a:t>
+            </a:r>
+            <a:r>
+              <a:rPr lang="en"/>
+              <a:t>ontinue: will skip the current </a:t>
+            </a:r>
+            <a:r>
+              <a:rPr lang="en"/>
+              <a:t>iteration</a:t>
+            </a:r>
+            <a:r>
+              <a:rPr lang="en"/>
+              <a:t> and continue to the next</a:t>
+            </a:r>
+            <a:br>
+              <a:rPr lang="en"/>
+            </a:br>
+            <a:br>
+              <a:rPr lang="en"/>
+            </a:br>
+            <a:r>
+              <a:rPr lang="en"/>
+              <a:t>for (i = 0; i &lt; 10; i++) {</a:t>
+            </a:r>
+            <a:br>
+              <a:rPr lang="en"/>
+            </a:br>
+            <a:r>
+              <a:rPr lang="en"/>
+              <a:t>    if (i === 3) { break; }</a:t>
+            </a:r>
+            <a:br>
+              <a:rPr lang="en"/>
+            </a:br>
+            <a:r>
+              <a:rPr lang="en"/>
+              <a:t>    text += "The number is " + i + "&lt;br&gt;";</a:t>
+            </a:r>
+            <a:br>
+              <a:rPr lang="en"/>
+            </a:br>
+            <a:r>
+              <a:rPr lang="en"/>
+              <a:t>}</a:t>
+            </a:r>
             <a:br>
               <a:rPr lang="en"/>
             </a:br>
@@ -8122,7 +8442,7 @@
                 <a:cs typeface="Droid Serif"/>
                 <a:sym typeface="Droid Serif"/>
               </a:rPr>
-              <a:t>const number = 42;</a:t>
+              <a:t>const is used for constants:</a:t>
             </a:r>
             <a:endParaRPr>
               <a:latin typeface="Droid Serif"/>
@@ -8139,11 +8459,6 @@
               <a:spcAft>
                 <a:spcPts val="0"/>
               </a:spcAft>
-              <a:buClr>
-                <a:schemeClr val="dk1"/>
-              </a:buClr>
-              <a:buSzPts val="1100"/>
-              <a:buFont typeface="Arial"/>
               <a:buNone/>
             </a:pPr>
             <a:r>
@@ -8153,16 +8468,51 @@
                 <a:cs typeface="Droid Serif"/>
                 <a:sym typeface="Droid Serif"/>
               </a:rPr>
-              <a:t>let x = 1;</a:t>
-            </a:r>
-            <a:br>
+              <a:t>const number = 42;</a:t>
+            </a:r>
+            <a:endParaRPr>
+              <a:latin typeface="Droid Serif"/>
+              <a:ea typeface="Droid Serif"/>
+              <a:cs typeface="Droid Serif"/>
+              <a:sym typeface="Droid Serif"/>
+            </a:endParaRPr>
+          </a:p>
+          <a:p>
+            <a:pPr indent="0" lvl="0" marL="0">
+              <a:spcBef>
+                <a:spcPts val="1600"/>
+              </a:spcBef>
+              <a:spcAft>
+                <a:spcPts val="0"/>
+              </a:spcAft>
+              <a:buNone/>
+            </a:pPr>
+            <a:r>
               <a:rPr lang="en">
                 <a:latin typeface="Droid Serif"/>
                 <a:ea typeface="Droid Serif"/>
                 <a:cs typeface="Droid Serif"/>
                 <a:sym typeface="Droid Serif"/>
               </a:rPr>
-            </a:br>
+              <a:t>If you tried to assign another value to number, it will the following error:</a:t>
+            </a:r>
+            <a:endParaRPr>
+              <a:latin typeface="Droid Serif"/>
+              <a:ea typeface="Droid Serif"/>
+              <a:cs typeface="Droid Serif"/>
+              <a:sym typeface="Droid Serif"/>
+            </a:endParaRPr>
+          </a:p>
+          <a:p>
+            <a:pPr indent="0" lvl="0" marL="0">
+              <a:spcBef>
+                <a:spcPts val="1600"/>
+              </a:spcBef>
+              <a:spcAft>
+                <a:spcPts val="0"/>
+              </a:spcAft>
+              <a:buNone/>
+            </a:pPr>
             <a:r>
               <a:rPr lang="en">
                 <a:latin typeface="Droid Serif"/>
@@ -8170,16 +8520,61 @@
                 <a:cs typeface="Droid Serif"/>
                 <a:sym typeface="Droid Serif"/>
               </a:rPr>
-              <a:t>if (x === 1) {</a:t>
-            </a:r>
-            <a:br>
+              <a:t>Assignment to constant variable. </a:t>
+            </a:r>
+            <a:endParaRPr>
+              <a:latin typeface="Droid Serif"/>
+              <a:ea typeface="Droid Serif"/>
+              <a:cs typeface="Droid Serif"/>
+              <a:sym typeface="Droid Serif"/>
+            </a:endParaRPr>
+          </a:p>
+          <a:p>
+            <a:pPr indent="0" lvl="0" marL="0">
+              <a:spcBef>
+                <a:spcPts val="1600"/>
+              </a:spcBef>
+              <a:spcAft>
+                <a:spcPts val="0"/>
+              </a:spcAft>
+              <a:buClr>
+                <a:schemeClr val="dk1"/>
+              </a:buClr>
+              <a:buSzPts val="1100"/>
+              <a:buFont typeface="Arial"/>
+              <a:buNone/>
+            </a:pPr>
+            <a:r>
               <a:rPr lang="en">
                 <a:latin typeface="Droid Serif"/>
                 <a:ea typeface="Droid Serif"/>
                 <a:cs typeface="Droid Serif"/>
                 <a:sym typeface="Droid Serif"/>
               </a:rPr>
-            </a:br>
+              <a:t>ex: </a:t>
+            </a:r>
+            <a:endParaRPr>
+              <a:latin typeface="Droid Serif"/>
+              <a:ea typeface="Droid Serif"/>
+              <a:cs typeface="Droid Serif"/>
+              <a:sym typeface="Droid Serif"/>
+            </a:endParaRPr>
+          </a:p>
+          <a:p>
+            <a:pPr indent="0" lvl="0" marL="0">
+              <a:spcBef>
+                <a:spcPts val="1600"/>
+              </a:spcBef>
+              <a:spcAft>
+                <a:spcPts val="0"/>
+              </a:spcAft>
+              <a:buClr>
+                <a:schemeClr val="dk1"/>
+              </a:buClr>
+              <a:buSzPts val="1100"/>
+              <a:buFont typeface="Arial"/>
+              <a:buNone/>
+            </a:pPr>
             <a:r>
               <a:rPr lang="en">
                 <a:latin typeface="Droid Serif"/>
@@ -8187,92 +8582,7 @@
                 <a:cs typeface="Droid Serif"/>
                 <a:sym typeface="Droid Serif"/>
               </a:rPr>
-              <a:t>  let x = 2;</a:t>
-            </a:r>
-            <a:br>
-              <a:rPr lang="en">
-                <a:latin typeface="Droid Serif"/>
-                <a:ea typeface="Droid Serif"/>
-                <a:cs typeface="Droid Serif"/>
-                <a:sym typeface="Droid Serif"/>
-              </a:rPr>
-            </a:br>
-            <a:r>
-              <a:rPr lang="en">
-                <a:latin typeface="Droid Serif"/>
-                <a:ea typeface="Droid Serif"/>
-                <a:cs typeface="Droid Serif"/>
-                <a:sym typeface="Droid Serif"/>
-              </a:rPr>
-              <a:t>  console.log(x);</a:t>
-            </a:r>
-            <a:br>
-              <a:rPr lang="en">
-                <a:latin typeface="Droid Serif"/>
-                <a:ea typeface="Droid Serif"/>
-                <a:cs typeface="Droid Serif"/>
-                <a:sym typeface="Droid Serif"/>
-              </a:rPr>
-            </a:br>
-            <a:r>
-              <a:rPr lang="en">
-                <a:latin typeface="Droid Serif"/>
-                <a:ea typeface="Droid Serif"/>
-                <a:cs typeface="Droid Serif"/>
-                <a:sym typeface="Droid Serif"/>
-              </a:rPr>
-              <a:t>  // expected output: 2</a:t>
-            </a:r>
-            <a:br>
-              <a:rPr lang="en">
-                <a:latin typeface="Droid Serif"/>
-                <a:ea typeface="Droid Serif"/>
-                <a:cs typeface="Droid Serif"/>
-                <a:sym typeface="Droid Serif"/>
-              </a:rPr>
-            </a:br>
-            <a:r>
-              <a:rPr lang="en">
-                <a:latin typeface="Droid Serif"/>
-                <a:ea typeface="Droid Serif"/>
-                <a:cs typeface="Droid Serif"/>
-                <a:sym typeface="Droid Serif"/>
-              </a:rPr>
-              <a:t>}</a:t>
-            </a:r>
-            <a:br>
-              <a:rPr lang="en">
-                <a:latin typeface="Droid Serif"/>
-                <a:ea typeface="Droid Serif"/>
-                <a:cs typeface="Droid Serif"/>
-                <a:sym typeface="Droid Serif"/>
-              </a:rPr>
-            </a:br>
-            <a:r>
-              <a:rPr lang="en">
-                <a:latin typeface="Droid Serif"/>
-                <a:ea typeface="Droid Serif"/>
-                <a:cs typeface="Droid Serif"/>
-                <a:sym typeface="Droid Serif"/>
-              </a:rPr>
-              <a:t>console.log(x);</a:t>
-            </a:r>
-            <a:br>
-              <a:rPr lang="en">
-                <a:latin typeface="Droid Serif"/>
-                <a:ea typeface="Droid Serif"/>
-                <a:cs typeface="Droid Serif"/>
-                <a:sym typeface="Droid Serif"/>
-              </a:rPr>
-            </a:br>
-            <a:r>
-              <a:rPr lang="en">
-                <a:latin typeface="Droid Serif"/>
-                <a:ea typeface="Droid Serif"/>
-                <a:cs typeface="Droid Serif"/>
-                <a:sym typeface="Droid Serif"/>
-              </a:rPr>
-              <a:t>// expected output: 1</a:t>
+              <a:t>number = 22;</a:t>
             </a:r>
             <a:endParaRPr>
               <a:latin typeface="Droid Serif"/>
@@ -8361,10 +8671,20 @@
               <a:buNone/>
             </a:pPr>
             <a:r>
-              <a:rPr lang="en"/>
-              <a:t>For / in and For / of Loops</a:t>
-            </a:r>
-            <a:endParaRPr/>
+              <a:rPr lang="en">
+                <a:latin typeface="Droid Serif"/>
+                <a:ea typeface="Droid Serif"/>
+                <a:cs typeface="Droid Serif"/>
+                <a:sym typeface="Droid Serif"/>
+              </a:rPr>
+              <a:t>Scoping: var, const, let</a:t>
+            </a:r>
+            <a:endParaRPr>
+              <a:latin typeface="Droid Serif"/>
+              <a:ea typeface="Droid Serif"/>
+              <a:cs typeface="Droid Serif"/>
+              <a:sym typeface="Droid Serif"/>
+            </a:endParaRPr>
           </a:p>
         </p:txBody>
       </p:sp>
@@ -8391,7 +8711,7 @@
           </a:bodyPr>
           <a:lstStyle/>
           <a:p>
-            <a:pPr indent="0" lvl="0" marL="0">
+            <a:pPr indent="0" lvl="0" marL="0" rtl="0">
               <a:spcBef>
                 <a:spcPts val="0"/>
               </a:spcBef>
@@ -8401,10 +8721,20 @@
               <a:buNone/>
             </a:pPr>
             <a:r>
-              <a:rPr lang="en"/>
-              <a:t>For in - can only be used with Objects</a:t>
-            </a:r>
-            <a:endParaRPr/>
+              <a:rPr lang="en">
+                <a:latin typeface="Droid Serif"/>
+                <a:ea typeface="Droid Serif"/>
+                <a:cs typeface="Droid Serif"/>
+                <a:sym typeface="Droid Serif"/>
+              </a:rPr>
+              <a:t>let sets the scope to whatever context you are in, once the context ends, the variable is reset, like in the following loop:</a:t>
+            </a:r>
+            <a:endParaRPr>
+              <a:latin typeface="Droid Serif"/>
+              <a:ea typeface="Droid Serif"/>
+              <a:cs typeface="Droid Serif"/>
+              <a:sym typeface="Droid Serif"/>
+            </a:endParaRPr>
           </a:p>
           <a:p>
             <a:pPr indent="0" lvl="0" marL="0" rtl="0">
@@ -8412,15 +8742,169 @@
                 <a:spcPts val="1600"/>
               </a:spcBef>
               <a:spcAft>
-                <a:spcPts val="1600"/>
-              </a:spcAft>
+                <a:spcPts val="0"/>
+              </a:spcAft>
+              <a:buClr>
+                <a:schemeClr val="dk1"/>
+              </a:buClr>
+              <a:buSzPts val="1100"/>
+              <a:buFont typeface="Arial"/>
               <a:buNone/>
             </a:pPr>
             <a:r>
-              <a:rPr lang="en"/>
-              <a:t>For of - can be used with Arrays / Strings</a:t>
-            </a:r>
-            <a:endParaRPr/>
+              <a:rPr lang="en">
+                <a:latin typeface="Droid Serif"/>
+                <a:ea typeface="Droid Serif"/>
+                <a:cs typeface="Droid Serif"/>
+                <a:sym typeface="Droid Serif"/>
+              </a:rPr>
+              <a:t>let x = 1;</a:t>
+            </a:r>
+            <a:br>
+              <a:rPr lang="en">
+                <a:latin typeface="Droid Serif"/>
+                <a:ea typeface="Droid Serif"/>
+                <a:cs typeface="Droid Serif"/>
+                <a:sym typeface="Droid Serif"/>
+              </a:rPr>
+            </a:br>
+            <a:r>
+              <a:rPr lang="en">
+                <a:latin typeface="Droid Serif"/>
+                <a:ea typeface="Droid Serif"/>
+                <a:cs typeface="Droid Serif"/>
+                <a:sym typeface="Droid Serif"/>
+              </a:rPr>
+              <a:t>if (x === 1) {</a:t>
+            </a:r>
+            <a:br>
+              <a:rPr lang="en">
+                <a:latin typeface="Droid Serif"/>
+                <a:ea typeface="Droid Serif"/>
+                <a:cs typeface="Droid Serif"/>
+                <a:sym typeface="Droid Serif"/>
+              </a:rPr>
+            </a:br>
+            <a:r>
+              <a:rPr lang="en">
+                <a:latin typeface="Droid Serif"/>
+                <a:ea typeface="Droid Serif"/>
+                <a:cs typeface="Droid Serif"/>
+                <a:sym typeface="Droid Serif"/>
+              </a:rPr>
+              <a:t>  let x = 2;</a:t>
+            </a:r>
+            <a:br>
+              <a:rPr lang="en">
+                <a:latin typeface="Droid Serif"/>
+                <a:ea typeface="Droid Serif"/>
+                <a:cs typeface="Droid Serif"/>
+                <a:sym typeface="Droid Serif"/>
+              </a:rPr>
+            </a:br>
+            <a:r>
+              <a:rPr lang="en">
+                <a:latin typeface="Droid Serif"/>
+                <a:ea typeface="Droid Serif"/>
+                <a:cs typeface="Droid Serif"/>
+                <a:sym typeface="Droid Serif"/>
+              </a:rPr>
+              <a:t>  console.log(x);</a:t>
+            </a:r>
+            <a:br>
+              <a:rPr lang="en">
+                <a:latin typeface="Droid Serif"/>
+                <a:ea typeface="Droid Serif"/>
+                <a:cs typeface="Droid Serif"/>
+                <a:sym typeface="Droid Serif"/>
+              </a:rPr>
+            </a:br>
+            <a:r>
+              <a:rPr lang="en">
+                <a:latin typeface="Droid Serif"/>
+                <a:ea typeface="Droid Serif"/>
+                <a:cs typeface="Droid Serif"/>
+                <a:sym typeface="Droid Serif"/>
+              </a:rPr>
+              <a:t>  // expected output: 2</a:t>
+            </a:r>
+            <a:br>
+              <a:rPr lang="en">
+                <a:latin typeface="Droid Serif"/>
+                <a:ea typeface="Droid Serif"/>
+                <a:cs typeface="Droid Serif"/>
+                <a:sym typeface="Droid Serif"/>
+              </a:rPr>
+            </a:br>
+            <a:r>
+              <a:rPr lang="en">
+                <a:latin typeface="Droid Serif"/>
+                <a:ea typeface="Droid Serif"/>
+                <a:cs typeface="Droid Serif"/>
+                <a:sym typeface="Droid Serif"/>
+              </a:rPr>
+              <a:t>}</a:t>
+            </a:r>
+            <a:br>
+              <a:rPr lang="en">
+                <a:latin typeface="Droid Serif"/>
+                <a:ea typeface="Droid Serif"/>
+                <a:cs typeface="Droid Serif"/>
+                <a:sym typeface="Droid Serif"/>
+              </a:rPr>
+            </a:br>
+            <a:r>
+              <a:rPr lang="en">
+                <a:latin typeface="Droid Serif"/>
+                <a:ea typeface="Droid Serif"/>
+                <a:cs typeface="Droid Serif"/>
+                <a:sym typeface="Droid Serif"/>
+              </a:rPr>
+              <a:t>console.log(x);</a:t>
+            </a:r>
+            <a:br>
+              <a:rPr lang="en">
+                <a:latin typeface="Droid Serif"/>
+                <a:ea typeface="Droid Serif"/>
+                <a:cs typeface="Droid Serif"/>
+                <a:sym typeface="Droid Serif"/>
+              </a:rPr>
+            </a:br>
+            <a:r>
+              <a:rPr lang="en">
+                <a:latin typeface="Droid Serif"/>
+                <a:ea typeface="Droid Serif"/>
+                <a:cs typeface="Droid Serif"/>
+                <a:sym typeface="Droid Serif"/>
+              </a:rPr>
+              <a:t>// expected output: 1</a:t>
+            </a:r>
+            <a:endParaRPr>
+              <a:latin typeface="Droid Serif"/>
+              <a:ea typeface="Droid Serif"/>
+              <a:cs typeface="Droid Serif"/>
+              <a:sym typeface="Droid Serif"/>
+            </a:endParaRPr>
+          </a:p>
+          <a:p>
+            <a:pPr indent="0" lvl="0" marL="0" rtl="0">
+              <a:spcBef>
+                <a:spcPts val="1600"/>
+              </a:spcBef>
+              <a:spcAft>
+                <a:spcPts val="1600"/>
+              </a:spcAft>
+              <a:buNone/>
+            </a:pPr>
+            <a:r>
+              <a:t/>
+            </a:r>
+            <a:endParaRPr>
+              <a:latin typeface="Droid Serif"/>
+              <a:ea typeface="Droid Serif"/>
+              <a:cs typeface="Droid Serif"/>
+              <a:sym typeface="Droid Serif"/>
+            </a:endParaRPr>
           </a:p>
         </p:txBody>
       </p:sp>
@@ -8483,7 +8967,7 @@
             </a:pPr>
             <a:r>
               <a:rPr lang="en"/>
-              <a:t>For / in</a:t>
+              <a:t>For / in and For / of Loops</a:t>
             </a:r>
             <a:endParaRPr/>
           </a:p>
@@ -8512,60 +8996,93 @@
           </a:bodyPr>
           <a:lstStyle/>
           <a:p>
-            <a:pPr indent="0" lvl="0" marL="0" rtl="0">
-              <a:spcBef>
-                <a:spcPts val="0"/>
-              </a:spcBef>
-              <a:spcAft>
-                <a:spcPts val="1600"/>
+            <a:pPr indent="0" lvl="0" marL="0">
+              <a:spcBef>
+                <a:spcPts val="0"/>
+              </a:spcBef>
+              <a:spcAft>
+                <a:spcPts val="0"/>
               </a:spcAft>
               <a:buNone/>
             </a:pPr>
             <a:r>
               <a:rPr lang="en"/>
-              <a:t>var string1 = "";</a:t>
+              <a:t>For / in - can only be used with Objects</a:t>
+            </a:r>
+            <a:endParaRPr/>
+          </a:p>
+          <a:p>
+            <a:pPr indent="0" lvl="0" marL="0">
+              <a:spcBef>
+                <a:spcPts val="1600"/>
+              </a:spcBef>
+              <a:spcAft>
+                <a:spcPts val="0"/>
+              </a:spcAft>
+              <a:buNone/>
+            </a:pPr>
+            <a:r>
+              <a:rPr lang="en"/>
+              <a:t>For / of - can be used with Arrays / Strings</a:t>
+            </a:r>
+            <a:endParaRPr/>
+          </a:p>
+          <a:p>
+            <a:pPr indent="0" lvl="0" marL="0">
+              <a:spcBef>
+                <a:spcPts val="1600"/>
+              </a:spcBef>
+              <a:spcAft>
+                <a:spcPts val="0"/>
+              </a:spcAft>
+              <a:buNone/>
+            </a:pPr>
+            <a:r>
+              <a:t/>
+            </a:r>
+            <a:endParaRPr/>
+          </a:p>
+          <a:p>
+            <a:pPr indent="0" lvl="0" marL="0">
+              <a:spcBef>
+                <a:spcPts val="1600"/>
+              </a:spcBef>
+              <a:spcAft>
+                <a:spcPts val="0"/>
+              </a:spcAft>
+              <a:buClr>
+                <a:schemeClr val="dk1"/>
+              </a:buClr>
+              <a:buSzPts val="1100"/>
+              <a:buFont typeface="Arial"/>
+              <a:buNone/>
+            </a:pPr>
+            <a:r>
+              <a:rPr lang="en"/>
+              <a:t>for (let o in object)</a:t>
             </a:r>
             <a:br>
               <a:rPr lang="en"/>
             </a:br>
             <a:r>
               <a:rPr lang="en"/>
-              <a:t>var object1 = {a: 1, b: 2, c: 3};</a:t>
-            </a:r>
-            <a:br>
+              <a:t>for (let n of numbers)</a:t>
+            </a:r>
+            <a:endParaRPr/>
+          </a:p>
+          <a:p>
+            <a:pPr indent="0" lvl="0" marL="0" rtl="0">
+              <a:spcBef>
+                <a:spcPts val="1600"/>
+              </a:spcBef>
+              <a:spcAft>
+                <a:spcPts val="1600"/>
+              </a:spcAft>
+              <a:buNone/>
+            </a:pPr>
+            <a:r>
               <a:rPr lang="en"/>
-            </a:br>
-            <a:r>
-              <a:rPr lang="en"/>
-              <a:t>for (var property1 in object1) {</a:t>
-            </a:r>
-            <a:br>
-              <a:rPr lang="en"/>
-            </a:br>
-            <a:r>
-              <a:rPr lang="en"/>
-              <a:t>  string1 = string1 + object1[property1];</a:t>
-            </a:r>
-            <a:br>
-              <a:rPr lang="en"/>
-            </a:br>
-            <a:r>
-              <a:rPr lang="en"/>
-              <a:t>}</a:t>
-            </a:r>
-            <a:br>
-              <a:rPr lang="en"/>
-            </a:br>
-            <a:r>
-              <a:rPr lang="en"/>
-              <a:t>console.log(string1);</a:t>
-            </a:r>
-            <a:br>
-              <a:rPr lang="en"/>
-            </a:br>
-            <a:r>
-              <a:rPr lang="en"/>
-              <a:t>// expected output: "123"</a:t>
+              <a:t>These loops are used to access data in a more efficient manner, you can simply obtain the properties of an object or elements of an array using n instead of [n] notion</a:t>
             </a:r>
             <a:endParaRPr/>
           </a:p>
@@ -8630,7 +9147,7 @@
             </a:pPr>
             <a:r>
               <a:rPr lang="en"/>
-              <a:t>For / of</a:t>
+              <a:t>For / in</a:t>
             </a:r>
             <a:endParaRPr/>
           </a:p>
@@ -8659,78 +9176,95 @@
           </a:bodyPr>
           <a:lstStyle/>
           <a:p>
-            <a:pPr indent="0" lvl="0" marL="0" rtl="0">
-              <a:spcBef>
-                <a:spcPts val="0"/>
-              </a:spcBef>
-              <a:spcAft>
-                <a:spcPts val="1600"/>
+            <a:pPr indent="0" lvl="0" marL="0">
+              <a:spcBef>
+                <a:spcPts val="0"/>
+              </a:spcBef>
+              <a:spcAft>
+                <a:spcPts val="0"/>
               </a:spcAft>
               <a:buNone/>
             </a:pPr>
             <a:r>
               <a:rPr lang="en"/>
-              <a:t>var</a:t>
-            </a:r>
-            <a:r>
-              <a:rPr lang="en"/>
-              <a:t> foo{</a:t>
+              <a:t>var string1 = "";</a:t>
             </a:r>
             <a:br>
               <a:rPr lang="en"/>
             </a:br>
             <a:r>
               <a:rPr lang="en"/>
-              <a:t>  yield1:1;</a:t>
+              <a:t>var object1 = {a: 1, b: 2, c: 3};</a:t>
             </a:r>
             <a:br>
               <a:rPr lang="en"/>
             </a:br>
             <a:r>
               <a:rPr lang="en"/>
-              <a:t>  yield2:2;</a:t>
+              <a:t>for (var property1 in object1) {</a:t>
             </a:r>
             <a:br>
               <a:rPr lang="en"/>
             </a:br>
             <a:r>
               <a:rPr lang="en"/>
-              <a:t>}</a:t>
+              <a:t>  string1 = string1 + object1[property1];</a:t>
             </a:r>
             <a:br>
               <a:rPr lang="en"/>
             </a:br>
             <a:r>
               <a:rPr lang="en"/>
-              <a:t>for (let o of foo()) {</a:t>
+              <a:t>}</a:t>
             </a:r>
             <a:br>
               <a:rPr lang="en"/>
             </a:br>
             <a:r>
               <a:rPr lang="en"/>
-              <a:t>  console.log(o);</a:t>
+              <a:t>console.log(string1);</a:t>
             </a:r>
             <a:br>
               <a:rPr lang="en"/>
             </a:br>
             <a:r>
               <a:rPr lang="en"/>
-              <a:t>  // expected output: 1</a:t>
+              <a:t>// expected output: "123"</a:t>
+            </a:r>
+            <a:endParaRPr/>
+          </a:p>
+          <a:p>
+            <a:pPr indent="0" lvl="0" marL="0" rtl="0">
+              <a:spcBef>
+                <a:spcPts val="1600"/>
+              </a:spcBef>
+              <a:spcAft>
+                <a:spcPts val="1600"/>
+              </a:spcAft>
+              <a:buClr>
+                <a:schemeClr val="dk1"/>
+              </a:buClr>
+              <a:buSzPts val="1100"/>
+              <a:buFont typeface="Arial"/>
+              <a:buNone/>
+            </a:pPr>
+            <a:r>
+              <a:rPr lang="en"/>
+              <a:t>You can directly access the properties of object1 simply with property1, meaning:</a:t>
             </a:r>
             <a:br>
               <a:rPr lang="en"/>
             </a:br>
             <a:r>
               <a:rPr lang="en"/>
-              <a:t>  break; // closes iterator, triggers return</a:t>
+              <a:t>string1 = string1 + property1; //this will give you a,b,c</a:t>
             </a:r>
             <a:br>
               <a:rPr lang="en"/>
             </a:br>
             <a:r>
               <a:rPr lang="en"/>
-              <a:t>}</a:t>
+              <a:t>string1 = string1 + object1[property1]; //this will give you values of object[a,b,c]</a:t>
             </a:r>
             <a:endParaRPr/>
           </a:p>
